--- a/pv grid definition_update.pptx
+++ b/pv grid definition_update.pptx
@@ -8,18 +8,19 @@
     <p:sldMasterId id="2147484459" r:id="rId4"/>
   </p:sldMasterIdLst>
   <p:notesMasterIdLst>
-    <p:notesMasterId r:id="rId11"/>
+    <p:notesMasterId r:id="rId12"/>
   </p:notesMasterIdLst>
   <p:handoutMasterIdLst>
-    <p:handoutMasterId r:id="rId12"/>
+    <p:handoutMasterId r:id="rId13"/>
   </p:handoutMasterIdLst>
   <p:sldIdLst>
     <p:sldId id="1011" r:id="rId5"/>
     <p:sldId id="1043" r:id="rId6"/>
     <p:sldId id="1042" r:id="rId7"/>
     <p:sldId id="1045" r:id="rId8"/>
-    <p:sldId id="1046" r:id="rId9"/>
-    <p:sldId id="1032" r:id="rId10"/>
+    <p:sldId id="1047" r:id="rId9"/>
+    <p:sldId id="1046" r:id="rId10"/>
+    <p:sldId id="1032" r:id="rId11"/>
   </p:sldIdLst>
   <p:sldSz cx="12192000" cy="6858000"/>
   <p:notesSz cx="6797675" cy="9926638"/>
@@ -1839,7 +1840,7 @@
             <a:fld id="{42F872D9-ABEE-B74B-8683-8CDD7C985F27}" type="datetimeFigureOut">
               <a:rPr lang="en-US"/>
               <a:pPr/>
-              <a:t>3/11/2024</a:t>
+              <a:t>3/12/2024</a:t>
             </a:fld>
             <a:endParaRPr lang="en-US"/>
           </a:p>
@@ -2026,7 +2027,7 @@
             <a:fld id="{C7A197FB-2522-9C4C-81BC-460BF39286BB}" type="datetimeFigureOut">
               <a:rPr lang="en-GB"/>
               <a:pPr/>
-              <a:t>11/03/2024</a:t>
+              <a:t>12/03/2024</a:t>
             </a:fld>
             <a:endParaRPr lang="en-GB"/>
           </a:p>
@@ -18025,7 +18026,7 @@
                   <a:srgbClr val="00B050"/>
                 </a:solidFill>
               </a:rPr>
-              <a:t>[Electricity Supply]</a:t>
+              <a:t>[Grid to AC Bus Supply]</a:t>
             </a:r>
             <a:endParaRPr lang="en-US" sz="1100" dirty="0"/>
           </a:p>
@@ -18250,8 +18251,8 @@
         </p:nvSpPr>
         <p:spPr>
           <a:xfrm rot="233062">
-            <a:off x="9065710" y="4922935"/>
-            <a:ext cx="1752019" cy="276999"/>
+            <a:off x="9065710" y="4830602"/>
+            <a:ext cx="1752019" cy="461665"/>
           </a:xfrm>
           <a:prstGeom prst="rect">
             <a:avLst/>
@@ -18272,11 +18273,14 @@
               </a:rPr>
               <a:t>Connection_node_node</a:t>
             </a:r>
-            <a:endParaRPr lang="en-US" sz="1200" dirty="0">
-              <a:solidFill>
-                <a:schemeClr val="accent1"/>
-              </a:solidFill>
-            </a:endParaRPr>
+            <a:r>
+              <a:rPr lang="en-US" sz="1200" dirty="0">
+                <a:solidFill>
+                  <a:schemeClr val="accent1"/>
+                </a:solidFill>
+              </a:rPr>
+              <a:t> per house</a:t>
+            </a:r>
           </a:p>
         </p:txBody>
       </p:sp>
@@ -18295,7 +18299,7 @@
         <p:spPr>
           <a:xfrm>
             <a:off x="11129344" y="4385269"/>
-            <a:ext cx="1259241" cy="1107996"/>
+            <a:ext cx="1259241" cy="1277273"/>
           </a:xfrm>
           <a:prstGeom prst="rect">
             <a:avLst/>
@@ -18310,7 +18314,7 @@
           <a:p>
             <a:r>
               <a:rPr lang="en-US" sz="1100" dirty="0"/>
-              <a:t>Solar AC Supply</a:t>
+              <a:t>House x Supply per house</a:t>
             </a:r>
           </a:p>
           <a:p>
@@ -18320,7 +18324,7 @@
                   <a:srgbClr val="00B050"/>
                 </a:solidFill>
               </a:rPr>
-              <a:t>[Solar AC Supply]</a:t>
+              <a:t>[House x Supply]</a:t>
             </a:r>
             <a:endParaRPr lang="en-US" sz="1100" dirty="0"/>
           </a:p>
@@ -18371,8 +18375,8 @@
         </p:nvCxnSpPr>
         <p:spPr>
           <a:xfrm flipH="1">
-            <a:off x="10073201" y="4778816"/>
-            <a:ext cx="1137242" cy="220654"/>
+            <a:off x="10631174" y="4714019"/>
+            <a:ext cx="532443" cy="663204"/>
           </a:xfrm>
           <a:prstGeom prst="straightConnector1">
             <a:avLst/>
@@ -18415,6 +18419,116 @@
 </file>
 
 <file path=ppt/slides/slide5.xml><?xml version="1.0" encoding="utf-8"?>
+<p:sld xmlns:a="http://schemas.openxmlformats.org/drawingml/2006/main" xmlns:r="http://schemas.openxmlformats.org/officeDocument/2006/relationships" xmlns:p="http://schemas.openxmlformats.org/presentationml/2006/main">
+  <p:cSld>
+    <p:spTree>
+      <p:nvGrpSpPr>
+        <p:cNvPr id="1" name=""/>
+        <p:cNvGrpSpPr/>
+        <p:nvPr/>
+      </p:nvGrpSpPr>
+      <p:grpSpPr>
+        <a:xfrm>
+          <a:off x="0" y="0"/>
+          <a:ext cx="0" cy="0"/>
+          <a:chOff x="0" y="0"/>
+          <a:chExt cx="0" cy="0"/>
+        </a:xfrm>
+      </p:grpSpPr>
+      <p:sp>
+        <p:nvSpPr>
+          <p:cNvPr id="2" name="Title 1">
+            <a:extLst>
+              <a:ext uri="{FF2B5EF4-FFF2-40B4-BE49-F238E27FC236}">
+                <a16:creationId xmlns:a16="http://schemas.microsoft.com/office/drawing/2014/main" id="{E34C5100-0D8D-4326-585F-A8D0B8933A4A}"/>
+              </a:ext>
+            </a:extLst>
+          </p:cNvPr>
+          <p:cNvSpPr>
+            <a:spLocks noGrp="1"/>
+          </p:cNvSpPr>
+          <p:nvPr>
+            <p:ph type="title"/>
+          </p:nvPr>
+        </p:nvSpPr>
+        <p:spPr/>
+        <p:txBody>
+          <a:bodyPr/>
+          <a:lstStyle/>
+          <a:p>
+            <a:endParaRPr lang="en-US"/>
+          </a:p>
+        </p:txBody>
+      </p:sp>
+      <p:sp>
+        <p:nvSpPr>
+          <p:cNvPr id="3" name="Content Placeholder 2">
+            <a:extLst>
+              <a:ext uri="{FF2B5EF4-FFF2-40B4-BE49-F238E27FC236}">
+                <a16:creationId xmlns:a16="http://schemas.microsoft.com/office/drawing/2014/main" id="{EFB69789-98D0-8056-D238-B0697D2F5383}"/>
+              </a:ext>
+            </a:extLst>
+          </p:cNvPr>
+          <p:cNvSpPr>
+            <a:spLocks noGrp="1"/>
+          </p:cNvSpPr>
+          <p:nvPr>
+            <p:ph sz="quarter" idx="10"/>
+          </p:nvPr>
+        </p:nvSpPr>
+        <p:spPr/>
+        <p:txBody>
+          <a:bodyPr/>
+          <a:lstStyle/>
+          <a:p>
+            <a:endParaRPr lang="en-US"/>
+          </a:p>
+        </p:txBody>
+      </p:sp>
+      <p:pic>
+        <p:nvPicPr>
+          <p:cNvPr id="5" name="Picture 4">
+            <a:extLst>
+              <a:ext uri="{FF2B5EF4-FFF2-40B4-BE49-F238E27FC236}">
+                <a16:creationId xmlns:a16="http://schemas.microsoft.com/office/drawing/2014/main" id="{976F7AFF-8E61-748A-34E5-E333783DE939}"/>
+              </a:ext>
+            </a:extLst>
+          </p:cNvPr>
+          <p:cNvPicPr>
+            <a:picLocks noChangeAspect="1"/>
+          </p:cNvPicPr>
+          <p:nvPr/>
+        </p:nvPicPr>
+        <p:blipFill>
+          <a:blip r:embed="rId2"/>
+          <a:stretch>
+            <a:fillRect/>
+          </a:stretch>
+        </p:blipFill>
+        <p:spPr>
+          <a:xfrm>
+            <a:off x="0" y="0"/>
+            <a:ext cx="12192000" cy="6858000"/>
+          </a:xfrm>
+          <a:prstGeom prst="rect">
+            <a:avLst/>
+          </a:prstGeom>
+        </p:spPr>
+      </p:pic>
+    </p:spTree>
+    <p:extLst>
+      <p:ext uri="{BB962C8B-B14F-4D97-AF65-F5344CB8AC3E}">
+        <p14:creationId xmlns:p14="http://schemas.microsoft.com/office/powerpoint/2010/main" val="1058224852"/>
+      </p:ext>
+    </p:extLst>
+  </p:cSld>
+  <p:clrMapOvr>
+    <a:masterClrMapping/>
+  </p:clrMapOvr>
+</p:sld>
+</file>
+
+<file path=ppt/slides/slide6.xml><?xml version="1.0" encoding="utf-8"?>
 <p:sld xmlns:a="http://schemas.openxmlformats.org/drawingml/2006/main" xmlns:r="http://schemas.openxmlformats.org/officeDocument/2006/relationships" xmlns:p="http://schemas.openxmlformats.org/presentationml/2006/main">
   <p:cSld>
     <p:spTree>
@@ -22926,7 +23040,7 @@
 </p:sld>
 </file>
 
-<file path=ppt/slides/slide6.xml><?xml version="1.0" encoding="utf-8"?>
+<file path=ppt/slides/slide7.xml><?xml version="1.0" encoding="utf-8"?>
 <p:sld xmlns:a="http://schemas.openxmlformats.org/drawingml/2006/main" xmlns:r="http://schemas.openxmlformats.org/officeDocument/2006/relationships" xmlns:p="http://schemas.openxmlformats.org/presentationml/2006/main">
   <p:cSld>
     <p:spTree>
